--- a/프로젝트 개요,시스템 구성도,롤 분담,마일스톤.pptx
+++ b/프로젝트 개요,시스템 구성도,롤 분담,마일스톤.pptx
@@ -291,7 +291,7 @@
             <a:fld id="{7FE2990E-D1A2-4B86-BAB4-A34ED35D9B39}" type="datetimeFigureOut">
               <a:rPr lang="ko-KR" altLang="en-US" smtClean="0"/>
               <a:pPr/>
-              <a:t>2018-07-25</a:t>
+              <a:t>2018-08-09</a:t>
             </a:fld>
             <a:endParaRPr lang="ko-KR" altLang="en-US"/>
           </a:p>
@@ -458,7 +458,7 @@
             <a:fld id="{7FE2990E-D1A2-4B86-BAB4-A34ED35D9B39}" type="datetimeFigureOut">
               <a:rPr lang="ko-KR" altLang="en-US" smtClean="0"/>
               <a:pPr/>
-              <a:t>2018-07-25</a:t>
+              <a:t>2018-08-09</a:t>
             </a:fld>
             <a:endParaRPr lang="ko-KR" altLang="en-US"/>
           </a:p>
@@ -635,7 +635,7 @@
             <a:fld id="{7FE2990E-D1A2-4B86-BAB4-A34ED35D9B39}" type="datetimeFigureOut">
               <a:rPr lang="ko-KR" altLang="en-US" smtClean="0"/>
               <a:pPr/>
-              <a:t>2018-07-25</a:t>
+              <a:t>2018-08-09</a:t>
             </a:fld>
             <a:endParaRPr lang="ko-KR" altLang="en-US"/>
           </a:p>
@@ -802,7 +802,7 @@
             <a:fld id="{7FE2990E-D1A2-4B86-BAB4-A34ED35D9B39}" type="datetimeFigureOut">
               <a:rPr lang="ko-KR" altLang="en-US" smtClean="0"/>
               <a:pPr/>
-              <a:t>2018-07-25</a:t>
+              <a:t>2018-08-09</a:t>
             </a:fld>
             <a:endParaRPr lang="ko-KR" altLang="en-US"/>
           </a:p>
@@ -1045,7 +1045,7 @@
             <a:fld id="{7FE2990E-D1A2-4B86-BAB4-A34ED35D9B39}" type="datetimeFigureOut">
               <a:rPr lang="ko-KR" altLang="en-US" smtClean="0"/>
               <a:pPr/>
-              <a:t>2018-07-25</a:t>
+              <a:t>2018-08-09</a:t>
             </a:fld>
             <a:endParaRPr lang="ko-KR" altLang="en-US"/>
           </a:p>
@@ -1330,7 +1330,7 @@
             <a:fld id="{7FE2990E-D1A2-4B86-BAB4-A34ED35D9B39}" type="datetimeFigureOut">
               <a:rPr lang="ko-KR" altLang="en-US" smtClean="0"/>
               <a:pPr/>
-              <a:t>2018-07-25</a:t>
+              <a:t>2018-08-09</a:t>
             </a:fld>
             <a:endParaRPr lang="ko-KR" altLang="en-US"/>
           </a:p>
@@ -1749,7 +1749,7 @@
             <a:fld id="{7FE2990E-D1A2-4B86-BAB4-A34ED35D9B39}" type="datetimeFigureOut">
               <a:rPr lang="ko-KR" altLang="en-US" smtClean="0"/>
               <a:pPr/>
-              <a:t>2018-07-25</a:t>
+              <a:t>2018-08-09</a:t>
             </a:fld>
             <a:endParaRPr lang="ko-KR" altLang="en-US"/>
           </a:p>
@@ -1864,7 +1864,7 @@
             <a:fld id="{7FE2990E-D1A2-4B86-BAB4-A34ED35D9B39}" type="datetimeFigureOut">
               <a:rPr lang="ko-KR" altLang="en-US" smtClean="0"/>
               <a:pPr/>
-              <a:t>2018-07-25</a:t>
+              <a:t>2018-08-09</a:t>
             </a:fld>
             <a:endParaRPr lang="ko-KR" altLang="en-US"/>
           </a:p>
@@ -1956,7 +1956,7 @@
             <a:fld id="{7FE2990E-D1A2-4B86-BAB4-A34ED35D9B39}" type="datetimeFigureOut">
               <a:rPr lang="ko-KR" altLang="en-US" smtClean="0"/>
               <a:pPr/>
-              <a:t>2018-07-25</a:t>
+              <a:t>2018-08-09</a:t>
             </a:fld>
             <a:endParaRPr lang="ko-KR" altLang="en-US"/>
           </a:p>
@@ -2230,7 +2230,7 @@
             <a:fld id="{7FE2990E-D1A2-4B86-BAB4-A34ED35D9B39}" type="datetimeFigureOut">
               <a:rPr lang="ko-KR" altLang="en-US" smtClean="0"/>
               <a:pPr/>
-              <a:t>2018-07-25</a:t>
+              <a:t>2018-08-09</a:t>
             </a:fld>
             <a:endParaRPr lang="ko-KR" altLang="en-US"/>
           </a:p>
@@ -2480,7 +2480,7 @@
             <a:fld id="{7FE2990E-D1A2-4B86-BAB4-A34ED35D9B39}" type="datetimeFigureOut">
               <a:rPr lang="ko-KR" altLang="en-US" smtClean="0"/>
               <a:pPr/>
-              <a:t>2018-07-25</a:t>
+              <a:t>2018-08-09</a:t>
             </a:fld>
             <a:endParaRPr lang="ko-KR" altLang="en-US"/>
           </a:p>
@@ -2690,7 +2690,7 @@
             <a:fld id="{7FE2990E-D1A2-4B86-BAB4-A34ED35D9B39}" type="datetimeFigureOut">
               <a:rPr lang="ko-KR" altLang="en-US" smtClean="0"/>
               <a:pPr/>
-              <a:t>2018-07-25</a:t>
+              <a:t>2018-08-09</a:t>
             </a:fld>
             <a:endParaRPr lang="ko-KR" altLang="en-US"/>
           </a:p>
@@ -3298,15 +3298,7 @@
                   <a:schemeClr val="bg1"/>
                 </a:solidFill>
               </a:rPr>
-              <a:t> </a:t>
-            </a:r>
-            <a:r>
-              <a:rPr lang="en-US" altLang="ko-KR" dirty="0" smtClean="0">
-                <a:solidFill>
-                  <a:schemeClr val="bg1"/>
-                </a:solidFill>
-              </a:rPr>
-              <a:t> - </a:t>
+              <a:t>  - </a:t>
             </a:r>
             <a:r>
               <a:rPr lang="ko-KR" altLang="en-US" dirty="0" smtClean="0">
@@ -3435,15 +3427,7 @@
                   <a:schemeClr val="bg1"/>
                 </a:solidFill>
               </a:rPr>
-              <a:t> </a:t>
-            </a:r>
-            <a:r>
-              <a:rPr lang="en-US" altLang="ko-KR" dirty="0" smtClean="0">
-                <a:solidFill>
-                  <a:schemeClr val="bg1"/>
-                </a:solidFill>
-              </a:rPr>
-              <a:t> - (</a:t>
+              <a:t>  - (</a:t>
             </a:r>
             <a:r>
               <a:rPr lang="en-US" altLang="ko-KR" dirty="0" err="1" smtClean="0">
@@ -3485,15 +3469,7 @@
                   <a:schemeClr val="bg1"/>
                 </a:solidFill>
               </a:rPr>
-              <a:t> </a:t>
-            </a:r>
-            <a:r>
-              <a:rPr lang="en-US" altLang="ko-KR" dirty="0" smtClean="0">
-                <a:solidFill>
-                  <a:schemeClr val="bg1"/>
-                </a:solidFill>
-              </a:rPr>
-              <a:t> - (PHP) </a:t>
+              <a:t>  - (PHP) </a:t>
             </a:r>
             <a:r>
               <a:rPr lang="ko-KR" altLang="en-US" dirty="0" smtClean="0">
@@ -3548,15 +3524,7 @@
                   <a:schemeClr val="bg1"/>
                 </a:solidFill>
               </a:rPr>
-              <a:t> </a:t>
-            </a:r>
-            <a:r>
-              <a:rPr lang="en-US" altLang="ko-KR" dirty="0" smtClean="0">
-                <a:solidFill>
-                  <a:schemeClr val="bg1"/>
-                </a:solidFill>
-              </a:rPr>
-              <a:t> - (HTML, JS, CSS) </a:t>
+              <a:t>  - (HTML, JS, CSS) </a:t>
             </a:r>
             <a:r>
               <a:rPr lang="ko-KR" altLang="en-US" dirty="0" smtClean="0">
